--- a/slides/Emplear-Clase 2.pptx
+++ b/slides/Emplear-Clase 2.pptx
@@ -134,7 +134,7 @@
   </p:defaultTextStyle>
   <p:extLst>
     <p:ext uri="{EFAFB233-063F-42B5-8137-9DF3F51BA10A}">
-      <p15:sldGuideLst xmlns:p15="http://schemas.microsoft.com/office/powerpoint/2012/main">
+      <p15:sldGuideLst xmlns:p15="http://schemas.microsoft.com/office/powerpoint/2012/main" xmlns="">
         <p15:guide id="1" orient="horz" pos="2160" userDrawn="1">
           <p15:clr>
             <a:srgbClr val="A4A3A4"/>
@@ -156,7 +156,7 @@
   <p:cmAuthor id="1" name="Enrique Thedy" initials="ET" lastIdx="1" clrIdx="0">
     <p:extLst>
       <p:ext uri="{19B8F6BF-5375-455C-9EA6-DF929625EA0E}">
-        <p15:presenceInfo xmlns:p15="http://schemas.microsoft.com/office/powerpoint/2012/main" userId="68edfe84f8795584" providerId="Windows Live"/>
+        <p15:presenceInfo xmlns:p15="http://schemas.microsoft.com/office/powerpoint/2012/main" xmlns="" userId="68edfe84f8795584" providerId="Windows Live"/>
       </p:ext>
     </p:extLst>
   </p:cmAuthor>
@@ -417,7 +417,7 @@
     </p:spTree>
     <p:extLst>
       <p:ext uri="{BB962C8B-B14F-4D97-AF65-F5344CB8AC3E}">
-        <p14:creationId xmlns:p14="http://schemas.microsoft.com/office/powerpoint/2010/main" val="522747349"/>
+        <p14:creationId xmlns:p14="http://schemas.microsoft.com/office/powerpoint/2010/main" xmlns="" val="522747349"/>
       </p:ext>
     </p:extLst>
   </p:cSld>
@@ -607,7 +607,7 @@
     </p:spTree>
     <p:extLst>
       <p:ext uri="{BB962C8B-B14F-4D97-AF65-F5344CB8AC3E}">
-        <p14:creationId xmlns:p14="http://schemas.microsoft.com/office/powerpoint/2010/main" val="2436072675"/>
+        <p14:creationId xmlns:p14="http://schemas.microsoft.com/office/powerpoint/2010/main" xmlns="" val="2436072675"/>
       </p:ext>
     </p:extLst>
   </p:cSld>
@@ -775,7 +775,7 @@
     </p:spTree>
     <p:extLst>
       <p:ext uri="{BB962C8B-B14F-4D97-AF65-F5344CB8AC3E}">
-        <p14:creationId xmlns:p14="http://schemas.microsoft.com/office/powerpoint/2010/main" val="1924251516"/>
+        <p14:creationId xmlns:p14="http://schemas.microsoft.com/office/powerpoint/2010/main" xmlns="" val="1924251516"/>
       </p:ext>
     </p:extLst>
   </p:cSld>
@@ -943,7 +943,7 @@
     </p:spTree>
     <p:extLst>
       <p:ext uri="{BB962C8B-B14F-4D97-AF65-F5344CB8AC3E}">
-        <p14:creationId xmlns:p14="http://schemas.microsoft.com/office/powerpoint/2010/main" val="1857118007"/>
+        <p14:creationId xmlns:p14="http://schemas.microsoft.com/office/powerpoint/2010/main" xmlns="" val="1857118007"/>
       </p:ext>
     </p:extLst>
   </p:cSld>
@@ -1111,7 +1111,7 @@
     </p:spTree>
     <p:extLst>
       <p:ext uri="{BB962C8B-B14F-4D97-AF65-F5344CB8AC3E}">
-        <p14:creationId xmlns:p14="http://schemas.microsoft.com/office/powerpoint/2010/main" val="634519454"/>
+        <p14:creationId xmlns:p14="http://schemas.microsoft.com/office/powerpoint/2010/main" xmlns="" val="634519454"/>
       </p:ext>
     </p:extLst>
   </p:cSld>
@@ -1279,7 +1279,7 @@
     </p:spTree>
     <p:extLst>
       <p:ext uri="{BB962C8B-B14F-4D97-AF65-F5344CB8AC3E}">
-        <p14:creationId xmlns:p14="http://schemas.microsoft.com/office/powerpoint/2010/main" val="1418894213"/>
+        <p14:creationId xmlns:p14="http://schemas.microsoft.com/office/powerpoint/2010/main" xmlns="" val="1418894213"/>
       </p:ext>
     </p:extLst>
   </p:cSld>
@@ -1447,7 +1447,7 @@
     </p:spTree>
     <p:extLst>
       <p:ext uri="{BB962C8B-B14F-4D97-AF65-F5344CB8AC3E}">
-        <p14:creationId xmlns:p14="http://schemas.microsoft.com/office/powerpoint/2010/main" val="2798066957"/>
+        <p14:creationId xmlns:p14="http://schemas.microsoft.com/office/powerpoint/2010/main" xmlns="" val="2798066957"/>
       </p:ext>
     </p:extLst>
   </p:cSld>
@@ -1615,7 +1615,7 @@
     </p:spTree>
     <p:extLst>
       <p:ext uri="{BB962C8B-B14F-4D97-AF65-F5344CB8AC3E}">
-        <p14:creationId xmlns:p14="http://schemas.microsoft.com/office/powerpoint/2010/main" val="935642639"/>
+        <p14:creationId xmlns:p14="http://schemas.microsoft.com/office/powerpoint/2010/main" xmlns="" val="935642639"/>
       </p:ext>
     </p:extLst>
   </p:cSld>
@@ -1783,7 +1783,7 @@
     </p:spTree>
     <p:extLst>
       <p:ext uri="{BB962C8B-B14F-4D97-AF65-F5344CB8AC3E}">
-        <p14:creationId xmlns:p14="http://schemas.microsoft.com/office/powerpoint/2010/main" val="3057249215"/>
+        <p14:creationId xmlns:p14="http://schemas.microsoft.com/office/powerpoint/2010/main" xmlns="" val="3057249215"/>
       </p:ext>
     </p:extLst>
   </p:cSld>
@@ -1951,7 +1951,7 @@
     </p:spTree>
     <p:extLst>
       <p:ext uri="{BB962C8B-B14F-4D97-AF65-F5344CB8AC3E}">
-        <p14:creationId xmlns:p14="http://schemas.microsoft.com/office/powerpoint/2010/main" val="3954226905"/>
+        <p14:creationId xmlns:p14="http://schemas.microsoft.com/office/powerpoint/2010/main" xmlns="" val="3954226905"/>
       </p:ext>
     </p:extLst>
   </p:cSld>
@@ -2119,7 +2119,7 @@
     </p:spTree>
     <p:extLst>
       <p:ext uri="{BB962C8B-B14F-4D97-AF65-F5344CB8AC3E}">
-        <p14:creationId xmlns:p14="http://schemas.microsoft.com/office/powerpoint/2010/main" val="2631252482"/>
+        <p14:creationId xmlns:p14="http://schemas.microsoft.com/office/powerpoint/2010/main" xmlns="" val="2631252482"/>
       </p:ext>
     </p:extLst>
   </p:cSld>
@@ -2334,7 +2334,7 @@
     </p:spTree>
     <p:extLst>
       <p:ext uri="{BB962C8B-B14F-4D97-AF65-F5344CB8AC3E}">
-        <p14:creationId xmlns:p14="http://schemas.microsoft.com/office/powerpoint/2010/main" val="2075572533"/>
+        <p14:creationId xmlns:p14="http://schemas.microsoft.com/office/powerpoint/2010/main" xmlns="" val="2075572533"/>
       </p:ext>
     </p:extLst>
   </p:cSld>
@@ -2434,7 +2434,7 @@
     </p:spTree>
     <p:extLst>
       <p:ext uri="{BB962C8B-B14F-4D97-AF65-F5344CB8AC3E}">
-        <p14:creationId xmlns:p14="http://schemas.microsoft.com/office/powerpoint/2010/main" val="679216415"/>
+        <p14:creationId xmlns:p14="http://schemas.microsoft.com/office/powerpoint/2010/main" xmlns="" val="679216415"/>
       </p:ext>
     </p:extLst>
   </p:cSld>
@@ -2617,7 +2617,7 @@
     </p:spTree>
     <p:extLst>
       <p:ext uri="{BB962C8B-B14F-4D97-AF65-F5344CB8AC3E}">
-        <p14:creationId xmlns:p14="http://schemas.microsoft.com/office/powerpoint/2010/main" val="2900448415"/>
+        <p14:creationId xmlns:p14="http://schemas.microsoft.com/office/powerpoint/2010/main" xmlns="" val="2900448415"/>
       </p:ext>
     </p:extLst>
   </p:cSld>
@@ -2785,7 +2785,7 @@
     </p:spTree>
     <p:extLst>
       <p:ext uri="{BB962C8B-B14F-4D97-AF65-F5344CB8AC3E}">
-        <p14:creationId xmlns:p14="http://schemas.microsoft.com/office/powerpoint/2010/main" val="472799853"/>
+        <p14:creationId xmlns:p14="http://schemas.microsoft.com/office/powerpoint/2010/main" xmlns="" val="472799853"/>
       </p:ext>
     </p:extLst>
   </p:cSld>
@@ -2970,7 +2970,7 @@
     </p:spTree>
     <p:extLst>
       <p:ext uri="{BB962C8B-B14F-4D97-AF65-F5344CB8AC3E}">
-        <p14:creationId xmlns:p14="http://schemas.microsoft.com/office/powerpoint/2010/main" val="1137387135"/>
+        <p14:creationId xmlns:p14="http://schemas.microsoft.com/office/powerpoint/2010/main" xmlns="" val="1137387135"/>
       </p:ext>
     </p:extLst>
   </p:cSld>
@@ -3146,7 +3146,7 @@
     </p:spTree>
     <p:extLst>
       <p:ext uri="{BB962C8B-B14F-4D97-AF65-F5344CB8AC3E}">
-        <p14:creationId xmlns:p14="http://schemas.microsoft.com/office/powerpoint/2010/main" val="3731250059"/>
+        <p14:creationId xmlns:p14="http://schemas.microsoft.com/office/powerpoint/2010/main" xmlns="" val="3731250059"/>
       </p:ext>
     </p:extLst>
   </p:cSld>
@@ -3314,7 +3314,7 @@
     </p:spTree>
     <p:extLst>
       <p:ext uri="{BB962C8B-B14F-4D97-AF65-F5344CB8AC3E}">
-        <p14:creationId xmlns:p14="http://schemas.microsoft.com/office/powerpoint/2010/main" val="1020347763"/>
+        <p14:creationId xmlns:p14="http://schemas.microsoft.com/office/powerpoint/2010/main" xmlns="" val="1020347763"/>
       </p:ext>
     </p:extLst>
   </p:cSld>
@@ -3482,7 +3482,7 @@
     </p:spTree>
     <p:extLst>
       <p:ext uri="{BB962C8B-B14F-4D97-AF65-F5344CB8AC3E}">
-        <p14:creationId xmlns:p14="http://schemas.microsoft.com/office/powerpoint/2010/main" val="2036578642"/>
+        <p14:creationId xmlns:p14="http://schemas.microsoft.com/office/powerpoint/2010/main" xmlns="" val="2036578642"/>
       </p:ext>
     </p:extLst>
   </p:cSld>
@@ -3582,7 +3582,7 @@
     </p:spTree>
     <p:extLst>
       <p:ext uri="{BB962C8B-B14F-4D97-AF65-F5344CB8AC3E}">
-        <p14:creationId xmlns:p14="http://schemas.microsoft.com/office/powerpoint/2010/main" val="4265997069"/>
+        <p14:creationId xmlns:p14="http://schemas.microsoft.com/office/powerpoint/2010/main" xmlns="" val="4265997069"/>
       </p:ext>
     </p:extLst>
   </p:cSld>
@@ -3750,7 +3750,7 @@
     </p:spTree>
     <p:extLst>
       <p:ext uri="{BB962C8B-B14F-4D97-AF65-F5344CB8AC3E}">
-        <p14:creationId xmlns:p14="http://schemas.microsoft.com/office/powerpoint/2010/main" val="3070370841"/>
+        <p14:creationId xmlns:p14="http://schemas.microsoft.com/office/powerpoint/2010/main" xmlns="" val="3070370841"/>
       </p:ext>
     </p:extLst>
   </p:cSld>
@@ -3918,7 +3918,7 @@
     </p:spTree>
     <p:extLst>
       <p:ext uri="{BB962C8B-B14F-4D97-AF65-F5344CB8AC3E}">
-        <p14:creationId xmlns:p14="http://schemas.microsoft.com/office/powerpoint/2010/main" val="1539645312"/>
+        <p14:creationId xmlns:p14="http://schemas.microsoft.com/office/powerpoint/2010/main" xmlns="" val="1539645312"/>
       </p:ext>
     </p:extLst>
   </p:cSld>
@@ -4086,7 +4086,7 @@
     </p:spTree>
     <p:extLst>
       <p:ext uri="{BB962C8B-B14F-4D97-AF65-F5344CB8AC3E}">
-        <p14:creationId xmlns:p14="http://schemas.microsoft.com/office/powerpoint/2010/main" val="649250410"/>
+        <p14:creationId xmlns:p14="http://schemas.microsoft.com/office/powerpoint/2010/main" xmlns="" val="649250410"/>
       </p:ext>
     </p:extLst>
   </p:cSld>
@@ -4254,7 +4254,7 @@
     </p:spTree>
     <p:extLst>
       <p:ext uri="{BB962C8B-B14F-4D97-AF65-F5344CB8AC3E}">
-        <p14:creationId xmlns:p14="http://schemas.microsoft.com/office/powerpoint/2010/main" val="1636144955"/>
+        <p14:creationId xmlns:p14="http://schemas.microsoft.com/office/powerpoint/2010/main" xmlns="" val="1636144955"/>
       </p:ext>
     </p:extLst>
   </p:cSld>
@@ -4422,7 +4422,7 @@
     </p:spTree>
     <p:extLst>
       <p:ext uri="{BB962C8B-B14F-4D97-AF65-F5344CB8AC3E}">
-        <p14:creationId xmlns:p14="http://schemas.microsoft.com/office/powerpoint/2010/main" val="879381062"/>
+        <p14:creationId xmlns:p14="http://schemas.microsoft.com/office/powerpoint/2010/main" xmlns="" val="879381062"/>
       </p:ext>
     </p:extLst>
   </p:cSld>
@@ -4609,7 +4609,7 @@
     </p:spTree>
     <p:extLst>
       <p:ext uri="{BB962C8B-B14F-4D97-AF65-F5344CB8AC3E}">
-        <p14:creationId xmlns:p14="http://schemas.microsoft.com/office/powerpoint/2010/main" val="3571959615"/>
+        <p14:creationId xmlns:p14="http://schemas.microsoft.com/office/powerpoint/2010/main" xmlns="" val="3571959615"/>
       </p:ext>
     </p:extLst>
   </p:cSld>
@@ -13641,10 +13641,10 @@
           <p:nvPr/>
         </p:nvPicPr>
         <p:blipFill>
-          <a:blip r:embed="rId3">
+          <a:blip r:embed="rId3" cstate="print">
             <a:extLst>
               <a:ext uri="{28A0092B-C50C-407E-A947-70E740481C1C}">
-                <a14:useLocalDpi xmlns:a14="http://schemas.microsoft.com/office/drawing/2010/main" val="0"/>
+                <a14:useLocalDpi xmlns:a14="http://schemas.microsoft.com/office/drawing/2010/main" xmlns="" val="0"/>
               </a:ext>
             </a:extLst>
           </a:blip>
@@ -13671,7 +13671,7 @@
           <p:nvPr/>
         </p:nvPicPr>
         <p:blipFill>
-          <a:blip r:embed="rId4"/>
+          <a:blip r:embed="rId4" cstate="print"/>
           <a:stretch>
             <a:fillRect/>
           </a:stretch>
@@ -13689,7 +13689,7 @@
     </p:spTree>
     <p:extLst>
       <p:ext uri="{BB962C8B-B14F-4D97-AF65-F5344CB8AC3E}">
-        <p14:creationId xmlns:p14="http://schemas.microsoft.com/office/powerpoint/2010/main" val="3058350097"/>
+        <p14:creationId xmlns:p14="http://schemas.microsoft.com/office/powerpoint/2010/main" xmlns="" val="3058350097"/>
       </p:ext>
     </p:extLst>
   </p:cSld>
@@ -13934,7 +13934,7 @@
     </p:spTree>
     <p:extLst>
       <p:ext uri="{BB962C8B-B14F-4D97-AF65-F5344CB8AC3E}">
-        <p14:creationId xmlns:p14="http://schemas.microsoft.com/office/powerpoint/2010/main" val="824687209"/>
+        <p14:creationId xmlns:p14="http://schemas.microsoft.com/office/powerpoint/2010/main" xmlns="" val="824687209"/>
       </p:ext>
     </p:extLst>
   </p:cSld>
@@ -14188,7 +14188,7 @@
     </p:spTree>
     <p:extLst>
       <p:ext uri="{BB962C8B-B14F-4D97-AF65-F5344CB8AC3E}">
-        <p14:creationId xmlns:p14="http://schemas.microsoft.com/office/powerpoint/2010/main" val="1674204264"/>
+        <p14:creationId xmlns:p14="http://schemas.microsoft.com/office/powerpoint/2010/main" xmlns="" val="1674204264"/>
       </p:ext>
     </p:extLst>
   </p:cSld>
@@ -14419,7 +14419,7 @@
     </p:spTree>
     <p:extLst>
       <p:ext uri="{BB962C8B-B14F-4D97-AF65-F5344CB8AC3E}">
-        <p14:creationId xmlns:p14="http://schemas.microsoft.com/office/powerpoint/2010/main" val="3859975041"/>
+        <p14:creationId xmlns:p14="http://schemas.microsoft.com/office/powerpoint/2010/main" xmlns="" val="3859975041"/>
       </p:ext>
     </p:extLst>
   </p:cSld>
@@ -14613,7 +14613,7 @@
     </p:spTree>
     <p:extLst>
       <p:ext uri="{BB962C8B-B14F-4D97-AF65-F5344CB8AC3E}">
-        <p14:creationId xmlns:p14="http://schemas.microsoft.com/office/powerpoint/2010/main" val="2081816394"/>
+        <p14:creationId xmlns:p14="http://schemas.microsoft.com/office/powerpoint/2010/main" xmlns="" val="2081816394"/>
       </p:ext>
     </p:extLst>
   </p:cSld>
@@ -14750,7 +14750,7 @@
     </p:spTree>
     <p:extLst>
       <p:ext uri="{BB962C8B-B14F-4D97-AF65-F5344CB8AC3E}">
-        <p14:creationId xmlns:p14="http://schemas.microsoft.com/office/powerpoint/2010/main" val="368172626"/>
+        <p14:creationId xmlns:p14="http://schemas.microsoft.com/office/powerpoint/2010/main" xmlns="" val="368172626"/>
       </p:ext>
     </p:extLst>
   </p:cSld>
@@ -14953,7 +14953,7 @@
     </p:spTree>
     <p:extLst>
       <p:ext uri="{BB962C8B-B14F-4D97-AF65-F5344CB8AC3E}">
-        <p14:creationId xmlns:p14="http://schemas.microsoft.com/office/powerpoint/2010/main" val="785339165"/>
+        <p14:creationId xmlns:p14="http://schemas.microsoft.com/office/powerpoint/2010/main" xmlns="" val="785339165"/>
       </p:ext>
     </p:extLst>
   </p:cSld>
@@ -15191,7 +15191,7 @@
     </p:spTree>
     <p:extLst>
       <p:ext uri="{BB962C8B-B14F-4D97-AF65-F5344CB8AC3E}">
-        <p14:creationId xmlns:p14="http://schemas.microsoft.com/office/powerpoint/2010/main" val="1642523186"/>
+        <p14:creationId xmlns:p14="http://schemas.microsoft.com/office/powerpoint/2010/main" xmlns="" val="1642523186"/>
       </p:ext>
     </p:extLst>
   </p:cSld>
@@ -15319,7 +15319,7 @@
           <p:nvPr/>
         </p:nvPicPr>
         <p:blipFill>
-          <a:blip r:embed="rId3"/>
+          <a:blip r:embed="rId3" cstate="print"/>
           <a:stretch>
             <a:fillRect/>
           </a:stretch>
@@ -15343,7 +15343,7 @@
           <p:nvPr/>
         </p:nvPicPr>
         <p:blipFill>
-          <a:blip r:embed="rId4"/>
+          <a:blip r:embed="rId4" cstate="print"/>
           <a:stretch>
             <a:fillRect/>
           </a:stretch>
@@ -15361,7 +15361,7 @@
     </p:spTree>
     <p:extLst>
       <p:ext uri="{BB962C8B-B14F-4D97-AF65-F5344CB8AC3E}">
-        <p14:creationId xmlns:p14="http://schemas.microsoft.com/office/powerpoint/2010/main" val="3120387538"/>
+        <p14:creationId xmlns:p14="http://schemas.microsoft.com/office/powerpoint/2010/main" xmlns="" val="3120387538"/>
       </p:ext>
     </p:extLst>
   </p:cSld>
@@ -15861,7 +15861,7 @@
     </p:spTree>
     <p:extLst>
       <p:ext uri="{BB962C8B-B14F-4D97-AF65-F5344CB8AC3E}">
-        <p14:creationId xmlns:p14="http://schemas.microsoft.com/office/powerpoint/2010/main" val="3415128017"/>
+        <p14:creationId xmlns:p14="http://schemas.microsoft.com/office/powerpoint/2010/main" xmlns="" val="3415128017"/>
       </p:ext>
     </p:extLst>
   </p:cSld>
@@ -16192,7 +16192,7 @@
     </p:spTree>
     <p:extLst>
       <p:ext uri="{BB962C8B-B14F-4D97-AF65-F5344CB8AC3E}">
-        <p14:creationId xmlns:p14="http://schemas.microsoft.com/office/powerpoint/2010/main" val="470135256"/>
+        <p14:creationId xmlns:p14="http://schemas.microsoft.com/office/powerpoint/2010/main" xmlns="" val="470135256"/>
       </p:ext>
     </p:extLst>
   </p:cSld>
@@ -16309,7 +16309,7 @@
     </p:spTree>
     <p:extLst>
       <p:ext uri="{BB962C8B-B14F-4D97-AF65-F5344CB8AC3E}">
-        <p14:creationId xmlns:p14="http://schemas.microsoft.com/office/powerpoint/2010/main" val="835081593"/>
+        <p14:creationId xmlns:p14="http://schemas.microsoft.com/office/powerpoint/2010/main" xmlns="" val="835081593"/>
       </p:ext>
     </p:extLst>
   </p:cSld>
@@ -16539,7 +16539,7 @@
     </p:spTree>
     <p:extLst>
       <p:ext uri="{BB962C8B-B14F-4D97-AF65-F5344CB8AC3E}">
-        <p14:creationId xmlns:p14="http://schemas.microsoft.com/office/powerpoint/2010/main" val="2543592184"/>
+        <p14:creationId xmlns:p14="http://schemas.microsoft.com/office/powerpoint/2010/main" xmlns="" val="2543592184"/>
       </p:ext>
     </p:extLst>
   </p:cSld>
@@ -16773,7 +16773,7 @@
     </p:spTree>
     <p:extLst>
       <p:ext uri="{BB962C8B-B14F-4D97-AF65-F5344CB8AC3E}">
-        <p14:creationId xmlns:p14="http://schemas.microsoft.com/office/powerpoint/2010/main" val="1325455742"/>
+        <p14:creationId xmlns:p14="http://schemas.microsoft.com/office/powerpoint/2010/main" xmlns="" val="1325455742"/>
       </p:ext>
     </p:extLst>
   </p:cSld>
@@ -17400,7 +17400,7 @@
     </p:spTree>
     <p:extLst>
       <p:ext uri="{BB962C8B-B14F-4D97-AF65-F5344CB8AC3E}">
-        <p14:creationId xmlns:p14="http://schemas.microsoft.com/office/powerpoint/2010/main" val="1349582654"/>
+        <p14:creationId xmlns:p14="http://schemas.microsoft.com/office/powerpoint/2010/main" xmlns="" val="1349582654"/>
       </p:ext>
     </p:extLst>
   </p:cSld>
@@ -17499,7 +17499,7 @@
           <p:nvPr/>
         </p:nvPicPr>
         <p:blipFill>
-          <a:blip r:embed="rId3"/>
+          <a:blip r:embed="rId3" cstate="print"/>
           <a:stretch>
             <a:fillRect/>
           </a:stretch>
@@ -17789,7 +17789,7 @@
     </p:spTree>
     <p:extLst>
       <p:ext uri="{BB962C8B-B14F-4D97-AF65-F5344CB8AC3E}">
-        <p14:creationId xmlns:p14="http://schemas.microsoft.com/office/powerpoint/2010/main" val="3900075614"/>
+        <p14:creationId xmlns:p14="http://schemas.microsoft.com/office/powerpoint/2010/main" xmlns="" val="3900075614"/>
       </p:ext>
     </p:extLst>
   </p:cSld>
@@ -18293,7 +18293,7 @@
     </p:spTree>
     <p:extLst>
       <p:ext uri="{BB962C8B-B14F-4D97-AF65-F5344CB8AC3E}">
-        <p14:creationId xmlns:p14="http://schemas.microsoft.com/office/powerpoint/2010/main" val="186827113"/>
+        <p14:creationId xmlns:p14="http://schemas.microsoft.com/office/powerpoint/2010/main" xmlns="" val="186827113"/>
       </p:ext>
     </p:extLst>
   </p:cSld>
@@ -18445,7 +18445,7 @@
     </p:spTree>
     <p:extLst>
       <p:ext uri="{BB962C8B-B14F-4D97-AF65-F5344CB8AC3E}">
-        <p14:creationId xmlns:p14="http://schemas.microsoft.com/office/powerpoint/2010/main" val="2742915959"/>
+        <p14:creationId xmlns:p14="http://schemas.microsoft.com/office/powerpoint/2010/main" xmlns="" val="2742915959"/>
       </p:ext>
     </p:extLst>
   </p:cSld>
@@ -18563,7 +18563,7 @@
     </p:spTree>
     <p:extLst>
       <p:ext uri="{BB962C8B-B14F-4D97-AF65-F5344CB8AC3E}">
-        <p14:creationId xmlns:p14="http://schemas.microsoft.com/office/powerpoint/2010/main" val="1948587217"/>
+        <p14:creationId xmlns:p14="http://schemas.microsoft.com/office/powerpoint/2010/main" xmlns="" val="1948587217"/>
       </p:ext>
     </p:extLst>
   </p:cSld>
@@ -18709,7 +18709,7 @@
     </p:spTree>
     <p:extLst>
       <p:ext uri="{BB962C8B-B14F-4D97-AF65-F5344CB8AC3E}">
-        <p14:creationId xmlns:p14="http://schemas.microsoft.com/office/powerpoint/2010/main" val="1084849933"/>
+        <p14:creationId xmlns:p14="http://schemas.microsoft.com/office/powerpoint/2010/main" xmlns="" val="1084849933"/>
       </p:ext>
     </p:extLst>
   </p:cSld>
@@ -18956,7 +18956,7 @@
     </p:spTree>
     <p:extLst>
       <p:ext uri="{BB962C8B-B14F-4D97-AF65-F5344CB8AC3E}">
-        <p14:creationId xmlns:p14="http://schemas.microsoft.com/office/powerpoint/2010/main" val="275597809"/>
+        <p14:creationId xmlns:p14="http://schemas.microsoft.com/office/powerpoint/2010/main" xmlns="" val="275597809"/>
       </p:ext>
     </p:extLst>
   </p:cSld>
@@ -19179,7 +19179,7 @@
     </p:spTree>
     <p:extLst>
       <p:ext uri="{BB962C8B-B14F-4D97-AF65-F5344CB8AC3E}">
-        <p14:creationId xmlns:p14="http://schemas.microsoft.com/office/powerpoint/2010/main" val="2604933459"/>
+        <p14:creationId xmlns:p14="http://schemas.microsoft.com/office/powerpoint/2010/main" xmlns="" val="2604933459"/>
       </p:ext>
     </p:extLst>
   </p:cSld>
@@ -19716,7 +19716,7 @@
     </p:spTree>
     <p:extLst>
       <p:ext uri="{BB962C8B-B14F-4D97-AF65-F5344CB8AC3E}">
-        <p14:creationId xmlns:p14="http://schemas.microsoft.com/office/powerpoint/2010/main" val="762857754"/>
+        <p14:creationId xmlns:p14="http://schemas.microsoft.com/office/powerpoint/2010/main" xmlns="" val="762857754"/>
       </p:ext>
     </p:extLst>
   </p:cSld>
@@ -19855,7 +19855,7 @@
     </p:spTree>
     <p:extLst>
       <p:ext uri="{BB962C8B-B14F-4D97-AF65-F5344CB8AC3E}">
-        <p14:creationId xmlns:p14="http://schemas.microsoft.com/office/powerpoint/2010/main" val="3825259701"/>
+        <p14:creationId xmlns:p14="http://schemas.microsoft.com/office/powerpoint/2010/main" xmlns="" val="3825259701"/>
       </p:ext>
     </p:extLst>
   </p:cSld>
@@ -20968,7 +20968,7 @@
     </p:spTree>
     <p:extLst>
       <p:ext uri="{BB962C8B-B14F-4D97-AF65-F5344CB8AC3E}">
-        <p14:creationId xmlns:p14="http://schemas.microsoft.com/office/powerpoint/2010/main" val="957584879"/>
+        <p14:creationId xmlns:p14="http://schemas.microsoft.com/office/powerpoint/2010/main" xmlns="" val="957584879"/>
       </p:ext>
     </p:extLst>
   </p:cSld>
